--- a/Project Development Notes/Design_Layout.pptx
+++ b/Project Development Notes/Design_Layout.pptx
@@ -198,7 +198,7 @@
           <a:p>
             <a:fld id="{1D4066E4-BCA7-47D3-9B13-9FA18055B3AF}" type="datetimeFigureOut">
               <a:rPr lang="en-US" smtClean="0"/>
-              <a:t>6/12/2021</a:t>
+              <a:t>6/13/2021</a:t>
             </a:fld>
             <a:endParaRPr lang="en-US"/>
           </a:p>
@@ -790,7 +790,7 @@
           <a:p>
             <a:fld id="{052C7443-4A32-4415-AF05-029CFE24971B}" type="datetimeFigureOut">
               <a:rPr lang="en-US" smtClean="0"/>
-              <a:t>6/12/2021</a:t>
+              <a:t>6/13/2021</a:t>
             </a:fld>
             <a:endParaRPr lang="en-US"/>
           </a:p>
@@ -988,7 +988,7 @@
           <a:p>
             <a:fld id="{052C7443-4A32-4415-AF05-029CFE24971B}" type="datetimeFigureOut">
               <a:rPr lang="en-US" smtClean="0"/>
-              <a:t>6/12/2021</a:t>
+              <a:t>6/13/2021</a:t>
             </a:fld>
             <a:endParaRPr lang="en-US"/>
           </a:p>
@@ -1196,7 +1196,7 @@
           <a:p>
             <a:fld id="{052C7443-4A32-4415-AF05-029CFE24971B}" type="datetimeFigureOut">
               <a:rPr lang="en-US" smtClean="0"/>
-              <a:t>6/12/2021</a:t>
+              <a:t>6/13/2021</a:t>
             </a:fld>
             <a:endParaRPr lang="en-US"/>
           </a:p>
@@ -1394,7 +1394,7 @@
           <a:p>
             <a:fld id="{052C7443-4A32-4415-AF05-029CFE24971B}" type="datetimeFigureOut">
               <a:rPr lang="en-US" smtClean="0"/>
-              <a:t>6/12/2021</a:t>
+              <a:t>6/13/2021</a:t>
             </a:fld>
             <a:endParaRPr lang="en-US"/>
           </a:p>
@@ -1669,7 +1669,7 @@
           <a:p>
             <a:fld id="{052C7443-4A32-4415-AF05-029CFE24971B}" type="datetimeFigureOut">
               <a:rPr lang="en-US" smtClean="0"/>
-              <a:t>6/12/2021</a:t>
+              <a:t>6/13/2021</a:t>
             </a:fld>
             <a:endParaRPr lang="en-US"/>
           </a:p>
@@ -1934,7 +1934,7 @@
           <a:p>
             <a:fld id="{052C7443-4A32-4415-AF05-029CFE24971B}" type="datetimeFigureOut">
               <a:rPr lang="en-US" smtClean="0"/>
-              <a:t>6/12/2021</a:t>
+              <a:t>6/13/2021</a:t>
             </a:fld>
             <a:endParaRPr lang="en-US"/>
           </a:p>
@@ -2346,7 +2346,7 @@
           <a:p>
             <a:fld id="{052C7443-4A32-4415-AF05-029CFE24971B}" type="datetimeFigureOut">
               <a:rPr lang="en-US" smtClean="0"/>
-              <a:t>6/12/2021</a:t>
+              <a:t>6/13/2021</a:t>
             </a:fld>
             <a:endParaRPr lang="en-US"/>
           </a:p>
@@ -2487,7 +2487,7 @@
           <a:p>
             <a:fld id="{052C7443-4A32-4415-AF05-029CFE24971B}" type="datetimeFigureOut">
               <a:rPr lang="en-US" smtClean="0"/>
-              <a:t>6/12/2021</a:t>
+              <a:t>6/13/2021</a:t>
             </a:fld>
             <a:endParaRPr lang="en-US"/>
           </a:p>
@@ -2600,7 +2600,7 @@
           <a:p>
             <a:fld id="{052C7443-4A32-4415-AF05-029CFE24971B}" type="datetimeFigureOut">
               <a:rPr lang="en-US" smtClean="0"/>
-              <a:t>6/12/2021</a:t>
+              <a:t>6/13/2021</a:t>
             </a:fld>
             <a:endParaRPr lang="en-US"/>
           </a:p>
@@ -2911,7 +2911,7 @@
           <a:p>
             <a:fld id="{052C7443-4A32-4415-AF05-029CFE24971B}" type="datetimeFigureOut">
               <a:rPr lang="en-US" smtClean="0"/>
-              <a:t>6/12/2021</a:t>
+              <a:t>6/13/2021</a:t>
             </a:fld>
             <a:endParaRPr lang="en-US"/>
           </a:p>
@@ -3199,7 +3199,7 @@
           <a:p>
             <a:fld id="{052C7443-4A32-4415-AF05-029CFE24971B}" type="datetimeFigureOut">
               <a:rPr lang="en-US" smtClean="0"/>
-              <a:t>6/12/2021</a:t>
+              <a:t>6/13/2021</a:t>
             </a:fld>
             <a:endParaRPr lang="en-US"/>
           </a:p>
@@ -3440,7 +3440,7 @@
           <a:p>
             <a:fld id="{052C7443-4A32-4415-AF05-029CFE24971B}" type="datetimeFigureOut">
               <a:rPr lang="en-US" smtClean="0"/>
-              <a:t>6/12/2021</a:t>
+              <a:t>6/13/2021</a:t>
             </a:fld>
             <a:endParaRPr lang="en-US"/>
           </a:p>
@@ -4000,8 +4000,8 @@
         </p:nvSpPr>
         <p:spPr>
           <a:xfrm>
-            <a:off x="8960082" y="248574"/>
-            <a:ext cx="2871699" cy="6356412"/>
+            <a:off x="8960082" y="1118062"/>
+            <a:ext cx="2871699" cy="5486923"/>
           </a:xfrm>
           <a:prstGeom prst="rect">
             <a:avLst/>
@@ -4239,8 +4239,8 @@
         </p:nvSpPr>
         <p:spPr>
           <a:xfrm>
-            <a:off x="9269678" y="4544291"/>
-            <a:ext cx="2257304" cy="1889037"/>
+            <a:off x="9269678" y="4780714"/>
+            <a:ext cx="2257304" cy="1652614"/>
           </a:xfrm>
           <a:prstGeom prst="rect">
             <a:avLst/>
@@ -4279,10 +4279,522 @@
       </p:sp>
       <p:sp>
         <p:nvSpPr>
-          <p:cNvPr id="14" name="Rectangle 13">
-            <a:extLst>
-              <a:ext uri="{FF2B5EF4-FFF2-40B4-BE49-F238E27FC236}">
-                <a16:creationId xmlns:a16="http://schemas.microsoft.com/office/drawing/2014/main" id="{CB950A93-D1CD-4DEB-BB85-FF942C02A2EC}"/>
+          <p:cNvPr id="16" name="TextBox 15">
+            <a:extLst>
+              <a:ext uri="{FF2B5EF4-FFF2-40B4-BE49-F238E27FC236}">
+                <a16:creationId xmlns:a16="http://schemas.microsoft.com/office/drawing/2014/main" id="{A45A7B77-EBC1-4E1D-AB9E-1517BF1E922A}"/>
+              </a:ext>
+            </a:extLst>
+          </p:cNvPr>
+          <p:cNvSpPr txBox="1"/>
+          <p:nvPr/>
+        </p:nvSpPr>
+        <p:spPr>
+          <a:xfrm>
+            <a:off x="9352221" y="1310706"/>
+            <a:ext cx="2172362" cy="1477328"/>
+          </a:xfrm>
+          <a:prstGeom prst="rect">
+            <a:avLst/>
+          </a:prstGeom>
+          <a:noFill/>
+        </p:spPr>
+        <p:txBody>
+          <a:bodyPr wrap="square" rtlCol="0">
+            <a:spAutoFit/>
+          </a:bodyPr>
+          <a:lstStyle/>
+          <a:p>
+            <a:r>
+              <a:rPr lang="en-US" dirty="0">
+                <a:solidFill>
+                  <a:schemeClr val="bg1"/>
+                </a:solidFill>
+              </a:rPr>
+              <a:t>World top 3 countries, if dashboard is one of the top 3: total, daily, recovered, death</a:t>
+            </a:r>
+          </a:p>
+        </p:txBody>
+      </p:sp>
+      <p:sp>
+        <p:nvSpPr>
+          <p:cNvPr id="17" name="TextBox 16">
+            <a:extLst>
+              <a:ext uri="{FF2B5EF4-FFF2-40B4-BE49-F238E27FC236}">
+                <a16:creationId xmlns:a16="http://schemas.microsoft.com/office/drawing/2014/main" id="{A3599DCB-9F6A-45DF-A257-72547529FCFE}"/>
+              </a:ext>
+            </a:extLst>
+          </p:cNvPr>
+          <p:cNvSpPr txBox="1"/>
+          <p:nvPr/>
+        </p:nvSpPr>
+        <p:spPr>
+          <a:xfrm>
+            <a:off x="2461702" y="1729462"/>
+            <a:ext cx="1524001" cy="1754326"/>
+          </a:xfrm>
+          <a:prstGeom prst="rect">
+            <a:avLst/>
+          </a:prstGeom>
+          <a:noFill/>
+        </p:spPr>
+        <p:txBody>
+          <a:bodyPr wrap="square" rtlCol="0">
+            <a:spAutoFit/>
+          </a:bodyPr>
+          <a:lstStyle/>
+          <a:p>
+            <a:r>
+              <a:rPr lang="en-US" dirty="0">
+                <a:solidFill>
+                  <a:schemeClr val="bg1"/>
+                </a:solidFill>
+              </a:rPr>
+              <a:t>Total, daily, recovered, death (history and currently) with alerts (exp </a:t>
+            </a:r>
+            <a:r>
+              <a:rPr lang="en-US" dirty="0" err="1">
+                <a:solidFill>
+                  <a:schemeClr val="bg1"/>
+                </a:solidFill>
+              </a:rPr>
+              <a:t>apx</a:t>
+            </a:r>
+            <a:r>
+              <a:rPr lang="en-US" dirty="0">
+                <a:solidFill>
+                  <a:schemeClr val="bg1"/>
+                </a:solidFill>
+              </a:rPr>
+              <a:t>.)</a:t>
+            </a:r>
+          </a:p>
+        </p:txBody>
+      </p:sp>
+      <p:sp>
+        <p:nvSpPr>
+          <p:cNvPr id="18" name="TextBox 17">
+            <a:extLst>
+              <a:ext uri="{FF2B5EF4-FFF2-40B4-BE49-F238E27FC236}">
+                <a16:creationId xmlns:a16="http://schemas.microsoft.com/office/drawing/2014/main" id="{5E0FEA29-15B9-4BA2-B3E2-6D87CF22734D}"/>
+              </a:ext>
+            </a:extLst>
+          </p:cNvPr>
+          <p:cNvSpPr txBox="1"/>
+          <p:nvPr/>
+        </p:nvSpPr>
+        <p:spPr>
+          <a:xfrm>
+            <a:off x="2549236" y="3811081"/>
+            <a:ext cx="3676073" cy="369332"/>
+          </a:xfrm>
+          <a:prstGeom prst="rect">
+            <a:avLst/>
+          </a:prstGeom>
+          <a:noFill/>
+        </p:spPr>
+        <p:txBody>
+          <a:bodyPr wrap="square" rtlCol="0">
+            <a:spAutoFit/>
+          </a:bodyPr>
+          <a:lstStyle/>
+          <a:p>
+            <a:r>
+              <a:rPr lang="en-US" dirty="0">
+                <a:solidFill>
+                  <a:schemeClr val="bg1"/>
+                </a:solidFill>
+              </a:rPr>
+              <a:t>Graphs on daily cases</a:t>
+            </a:r>
+          </a:p>
+        </p:txBody>
+      </p:sp>
+      <p:sp>
+        <p:nvSpPr>
+          <p:cNvPr id="20" name="TextBox 19">
+            <a:extLst>
+              <a:ext uri="{FF2B5EF4-FFF2-40B4-BE49-F238E27FC236}">
+                <a16:creationId xmlns:a16="http://schemas.microsoft.com/office/drawing/2014/main" id="{34502936-5D15-4098-89A4-2EBCD807CB49}"/>
+              </a:ext>
+            </a:extLst>
+          </p:cNvPr>
+          <p:cNvSpPr txBox="1"/>
+          <p:nvPr/>
+        </p:nvSpPr>
+        <p:spPr>
+          <a:xfrm>
+            <a:off x="169125" y="1065899"/>
+            <a:ext cx="1863861" cy="3693319"/>
+          </a:xfrm>
+          <a:prstGeom prst="rect">
+            <a:avLst/>
+          </a:prstGeom>
+          <a:noFill/>
+        </p:spPr>
+        <p:txBody>
+          <a:bodyPr wrap="square" rtlCol="0">
+            <a:spAutoFit/>
+          </a:bodyPr>
+          <a:lstStyle/>
+          <a:p>
+            <a:r>
+              <a:rPr lang="en-US" dirty="0">
+                <a:solidFill>
+                  <a:schemeClr val="bg1"/>
+                </a:solidFill>
+              </a:rPr>
+              <a:t>Full map </a:t>
+            </a:r>
+            <a:r>
+              <a:rPr lang="en-US">
+                <a:solidFill>
+                  <a:schemeClr val="bg1"/>
+                </a:solidFill>
+              </a:rPr>
+              <a:t>of Alerts</a:t>
+            </a:r>
+            <a:endParaRPr lang="en-US" dirty="0">
+              <a:solidFill>
+                <a:schemeClr val="bg1"/>
+              </a:solidFill>
+            </a:endParaRPr>
+          </a:p>
+          <a:p>
+            <a:endParaRPr lang="en-US" dirty="0">
+              <a:solidFill>
+                <a:schemeClr val="bg1"/>
+              </a:solidFill>
+            </a:endParaRPr>
+          </a:p>
+          <a:p>
+            <a:r>
+              <a:rPr lang="en-US" dirty="0">
+                <a:solidFill>
+                  <a:schemeClr val="bg1"/>
+                </a:solidFill>
+              </a:rPr>
+              <a:t>Drawer for seeing SG policies,</a:t>
+            </a:r>
+          </a:p>
+          <a:p>
+            <a:endParaRPr lang="en-US" dirty="0">
+              <a:solidFill>
+                <a:schemeClr val="bg1"/>
+              </a:solidFill>
+            </a:endParaRPr>
+          </a:p>
+          <a:p>
+            <a:r>
+              <a:rPr lang="en-US" dirty="0">
+                <a:solidFill>
+                  <a:schemeClr val="bg1"/>
+                </a:solidFill>
+              </a:rPr>
+              <a:t>Set daily alert for summarized report</a:t>
+            </a:r>
+          </a:p>
+          <a:p>
+            <a:endParaRPr lang="en-US" dirty="0">
+              <a:solidFill>
+                <a:schemeClr val="bg1"/>
+              </a:solidFill>
+            </a:endParaRPr>
+          </a:p>
+          <a:p>
+            <a:r>
+              <a:rPr lang="en-US" dirty="0">
+                <a:solidFill>
+                  <a:schemeClr val="bg1"/>
+                </a:solidFill>
+              </a:rPr>
+              <a:t>Export report</a:t>
+            </a:r>
+          </a:p>
+          <a:p>
+            <a:endParaRPr lang="en-US" dirty="0">
+              <a:solidFill>
+                <a:schemeClr val="bg1"/>
+              </a:solidFill>
+            </a:endParaRPr>
+          </a:p>
+          <a:p>
+            <a:r>
+              <a:rPr lang="en-US" dirty="0">
+                <a:solidFill>
+                  <a:schemeClr val="bg1"/>
+                </a:solidFill>
+              </a:rPr>
+              <a:t>More info on this project</a:t>
+            </a:r>
+          </a:p>
+        </p:txBody>
+      </p:sp>
+      <p:sp>
+        <p:nvSpPr>
+          <p:cNvPr id="21" name="TextBox 20">
+            <a:extLst>
+              <a:ext uri="{FF2B5EF4-FFF2-40B4-BE49-F238E27FC236}">
+                <a16:creationId xmlns:a16="http://schemas.microsoft.com/office/drawing/2014/main" id="{3E199C98-1596-4372-BF20-86A8BC9BE3D8}"/>
+              </a:ext>
+            </a:extLst>
+          </p:cNvPr>
+          <p:cNvSpPr txBox="1"/>
+          <p:nvPr/>
+        </p:nvSpPr>
+        <p:spPr>
+          <a:xfrm>
+            <a:off x="3941941" y="1729462"/>
+            <a:ext cx="1524001" cy="1754326"/>
+          </a:xfrm>
+          <a:prstGeom prst="rect">
+            <a:avLst/>
+          </a:prstGeom>
+          <a:noFill/>
+        </p:spPr>
+        <p:txBody>
+          <a:bodyPr wrap="square" rtlCol="0">
+            <a:spAutoFit/>
+          </a:bodyPr>
+          <a:lstStyle/>
+          <a:p>
+            <a:r>
+              <a:rPr lang="en-US" dirty="0">
+                <a:solidFill>
+                  <a:schemeClr val="bg1"/>
+                </a:solidFill>
+              </a:rPr>
+              <a:t>Total, daily, recovered, death (history and currently) with alerts (exp </a:t>
+            </a:r>
+            <a:r>
+              <a:rPr lang="en-US" dirty="0" err="1">
+                <a:solidFill>
+                  <a:schemeClr val="bg1"/>
+                </a:solidFill>
+              </a:rPr>
+              <a:t>apx</a:t>
+            </a:r>
+            <a:r>
+              <a:rPr lang="en-US" dirty="0">
+                <a:solidFill>
+                  <a:schemeClr val="bg1"/>
+                </a:solidFill>
+              </a:rPr>
+              <a:t>.)</a:t>
+            </a:r>
+          </a:p>
+        </p:txBody>
+      </p:sp>
+      <p:sp>
+        <p:nvSpPr>
+          <p:cNvPr id="22" name="TextBox 21">
+            <a:extLst>
+              <a:ext uri="{FF2B5EF4-FFF2-40B4-BE49-F238E27FC236}">
+                <a16:creationId xmlns:a16="http://schemas.microsoft.com/office/drawing/2014/main" id="{5B55798C-6A42-4E8D-BB15-C6C194E202B1}"/>
+              </a:ext>
+            </a:extLst>
+          </p:cNvPr>
+          <p:cNvSpPr txBox="1"/>
+          <p:nvPr/>
+        </p:nvSpPr>
+        <p:spPr>
+          <a:xfrm>
+            <a:off x="5428998" y="1729462"/>
+            <a:ext cx="1524001" cy="1754326"/>
+          </a:xfrm>
+          <a:prstGeom prst="rect">
+            <a:avLst/>
+          </a:prstGeom>
+          <a:noFill/>
+        </p:spPr>
+        <p:txBody>
+          <a:bodyPr wrap="square" rtlCol="0">
+            <a:spAutoFit/>
+          </a:bodyPr>
+          <a:lstStyle/>
+          <a:p>
+            <a:r>
+              <a:rPr lang="en-US" dirty="0">
+                <a:solidFill>
+                  <a:schemeClr val="bg1"/>
+                </a:solidFill>
+              </a:rPr>
+              <a:t>Total, daily, recovered, death (history and currently) with alerts (exp </a:t>
+            </a:r>
+            <a:r>
+              <a:rPr lang="en-US" dirty="0" err="1">
+                <a:solidFill>
+                  <a:schemeClr val="bg1"/>
+                </a:solidFill>
+              </a:rPr>
+              <a:t>apx</a:t>
+            </a:r>
+            <a:r>
+              <a:rPr lang="en-US" dirty="0">
+                <a:solidFill>
+                  <a:schemeClr val="bg1"/>
+                </a:solidFill>
+              </a:rPr>
+              <a:t>.)</a:t>
+            </a:r>
+          </a:p>
+        </p:txBody>
+      </p:sp>
+      <p:sp>
+        <p:nvSpPr>
+          <p:cNvPr id="23" name="TextBox 22">
+            <a:extLst>
+              <a:ext uri="{FF2B5EF4-FFF2-40B4-BE49-F238E27FC236}">
+                <a16:creationId xmlns:a16="http://schemas.microsoft.com/office/drawing/2014/main" id="{23D3FF5A-57E3-4269-9997-47AD6B5367BC}"/>
+              </a:ext>
+            </a:extLst>
+          </p:cNvPr>
+          <p:cNvSpPr txBox="1"/>
+          <p:nvPr/>
+        </p:nvSpPr>
+        <p:spPr>
+          <a:xfrm>
+            <a:off x="6894965" y="1729462"/>
+            <a:ext cx="1524001" cy="1754326"/>
+          </a:xfrm>
+          <a:prstGeom prst="rect">
+            <a:avLst/>
+          </a:prstGeom>
+          <a:noFill/>
+        </p:spPr>
+        <p:txBody>
+          <a:bodyPr wrap="square" rtlCol="0">
+            <a:spAutoFit/>
+          </a:bodyPr>
+          <a:lstStyle/>
+          <a:p>
+            <a:r>
+              <a:rPr lang="en-US" dirty="0">
+                <a:solidFill>
+                  <a:schemeClr val="bg1"/>
+                </a:solidFill>
+              </a:rPr>
+              <a:t>Total, daily, recovered, death (history and currently) with alerts (exp </a:t>
+            </a:r>
+            <a:r>
+              <a:rPr lang="en-US" dirty="0" err="1">
+                <a:solidFill>
+                  <a:schemeClr val="bg1"/>
+                </a:solidFill>
+              </a:rPr>
+              <a:t>apx</a:t>
+            </a:r>
+            <a:r>
+              <a:rPr lang="en-US" dirty="0">
+                <a:solidFill>
+                  <a:schemeClr val="bg1"/>
+                </a:solidFill>
+              </a:rPr>
+              <a:t>.)</a:t>
+            </a:r>
+          </a:p>
+        </p:txBody>
+      </p:sp>
+      <p:sp>
+        <p:nvSpPr>
+          <p:cNvPr id="24" name="TextBox 23">
+            <a:extLst>
+              <a:ext uri="{FF2B5EF4-FFF2-40B4-BE49-F238E27FC236}">
+                <a16:creationId xmlns:a16="http://schemas.microsoft.com/office/drawing/2014/main" id="{FBFAB8D9-8CCE-4AE1-8A10-8FD2C65E9D7E}"/>
+              </a:ext>
+            </a:extLst>
+          </p:cNvPr>
+          <p:cNvSpPr txBox="1"/>
+          <p:nvPr/>
+        </p:nvSpPr>
+        <p:spPr>
+          <a:xfrm>
+            <a:off x="2632824" y="4842852"/>
+            <a:ext cx="1754448" cy="1477328"/>
+          </a:xfrm>
+          <a:prstGeom prst="rect">
+            <a:avLst/>
+          </a:prstGeom>
+          <a:noFill/>
+        </p:spPr>
+        <p:txBody>
+          <a:bodyPr wrap="square" rtlCol="0">
+            <a:spAutoFit/>
+          </a:bodyPr>
+          <a:lstStyle/>
+          <a:p>
+            <a:r>
+              <a:rPr lang="en-US" dirty="0">
+                <a:solidFill>
+                  <a:schemeClr val="bg1"/>
+                </a:solidFill>
+              </a:rPr>
+              <a:t>Graphs on vaccination % - circular, </a:t>
+            </a:r>
+            <a:r>
+              <a:rPr lang="en-US" dirty="0" err="1">
+                <a:solidFill>
+                  <a:schemeClr val="bg1"/>
+                </a:solidFill>
+              </a:rPr>
+              <a:t>ontap</a:t>
+            </a:r>
+            <a:r>
+              <a:rPr lang="en-US" dirty="0">
+                <a:solidFill>
+                  <a:schemeClr val="bg1"/>
+                </a:solidFill>
+              </a:rPr>
+              <a:t> is refreshed with animation</a:t>
+            </a:r>
+          </a:p>
+        </p:txBody>
+      </p:sp>
+      <p:sp>
+        <p:nvSpPr>
+          <p:cNvPr id="25" name="TextBox 24">
+            <a:extLst>
+              <a:ext uri="{FF2B5EF4-FFF2-40B4-BE49-F238E27FC236}">
+                <a16:creationId xmlns:a16="http://schemas.microsoft.com/office/drawing/2014/main" id="{2DCBE425-43F7-4788-A64D-19C4F77B8CC0}"/>
+              </a:ext>
+            </a:extLst>
+          </p:cNvPr>
+          <p:cNvSpPr txBox="1"/>
+          <p:nvPr/>
+        </p:nvSpPr>
+        <p:spPr>
+          <a:xfrm>
+            <a:off x="5759244" y="4904196"/>
+            <a:ext cx="1754448" cy="646331"/>
+          </a:xfrm>
+          <a:prstGeom prst="rect">
+            <a:avLst/>
+          </a:prstGeom>
+          <a:noFill/>
+        </p:spPr>
+        <p:txBody>
+          <a:bodyPr wrap="square" rtlCol="0">
+            <a:spAutoFit/>
+          </a:bodyPr>
+          <a:lstStyle/>
+          <a:p>
+            <a:r>
+              <a:rPr lang="en-US" dirty="0">
+                <a:solidFill>
+                  <a:schemeClr val="bg1"/>
+                </a:solidFill>
+              </a:rPr>
+              <a:t>Current SG phase</a:t>
+            </a:r>
+          </a:p>
+        </p:txBody>
+      </p:sp>
+      <p:sp>
+        <p:nvSpPr>
+          <p:cNvPr id="26" name="Rectangle 25">
+            <a:extLst>
+              <a:ext uri="{FF2B5EF4-FFF2-40B4-BE49-F238E27FC236}">
+                <a16:creationId xmlns:a16="http://schemas.microsoft.com/office/drawing/2014/main" id="{78217D25-9A9D-4A84-9DF4-11B66A889AE5}"/>
               </a:ext>
             </a:extLst>
           </p:cNvPr>
@@ -4291,8 +4803,8 @@
         </p:nvSpPr>
         <p:spPr>
           <a:xfrm>
-            <a:off x="9267279" y="410675"/>
-            <a:ext cx="2257304" cy="1889037"/>
+            <a:off x="9267279" y="3022132"/>
+            <a:ext cx="2257304" cy="1577897"/>
           </a:xfrm>
           <a:prstGeom prst="rect">
             <a:avLst/>
@@ -4331,10 +4843,10 @@
       </p:sp>
       <p:sp>
         <p:nvSpPr>
-          <p:cNvPr id="15" name="Rectangle 14">
-            <a:extLst>
-              <a:ext uri="{FF2B5EF4-FFF2-40B4-BE49-F238E27FC236}">
-                <a16:creationId xmlns:a16="http://schemas.microsoft.com/office/drawing/2014/main" id="{BD37CB73-851C-47F6-89AB-8BB1B2810EFD}"/>
+          <p:cNvPr id="27" name="Rectangle 26">
+            <a:extLst>
+              <a:ext uri="{FF2B5EF4-FFF2-40B4-BE49-F238E27FC236}">
+                <a16:creationId xmlns:a16="http://schemas.microsoft.com/office/drawing/2014/main" id="{E1671FEE-4C3F-44A7-B312-6C1E2C78522B}"/>
               </a:ext>
             </a:extLst>
           </p:cNvPr>
@@ -4343,8 +4855,8 @@
         </p:nvSpPr>
         <p:spPr>
           <a:xfrm>
-            <a:off x="9267279" y="2483596"/>
-            <a:ext cx="2257304" cy="1889037"/>
+            <a:off x="9267279" y="1257292"/>
+            <a:ext cx="2257304" cy="1577897"/>
           </a:xfrm>
           <a:prstGeom prst="rect">
             <a:avLst/>
@@ -4383,10 +4895,71 @@
       </p:sp>
       <p:sp>
         <p:nvSpPr>
-          <p:cNvPr id="16" name="TextBox 15">
-            <a:extLst>
-              <a:ext uri="{FF2B5EF4-FFF2-40B4-BE49-F238E27FC236}">
-                <a16:creationId xmlns:a16="http://schemas.microsoft.com/office/drawing/2014/main" id="{A45A7B77-EBC1-4E1D-AB9E-1517BF1E922A}"/>
+          <p:cNvPr id="28" name="Rectangle 27">
+            <a:extLst>
+              <a:ext uri="{FF2B5EF4-FFF2-40B4-BE49-F238E27FC236}">
+                <a16:creationId xmlns:a16="http://schemas.microsoft.com/office/drawing/2014/main" id="{CBDA079A-788B-45F6-8DE2-00D3ECD9D17F}"/>
+              </a:ext>
+            </a:extLst>
+          </p:cNvPr>
+          <p:cNvSpPr/>
+          <p:nvPr/>
+        </p:nvSpPr>
+        <p:spPr>
+          <a:xfrm>
+            <a:off x="8960081" y="245517"/>
+            <a:ext cx="2871700" cy="702771"/>
+          </a:xfrm>
+          <a:prstGeom prst="rect">
+            <a:avLst/>
+          </a:prstGeom>
+          <a:noFill/>
+          <a:ln>
+            <a:gradFill flip="none" rotWithShape="1">
+              <a:gsLst>
+                <a:gs pos="0">
+                  <a:srgbClr val="00B0F0"/>
+                </a:gs>
+                <a:gs pos="100000">
+                  <a:srgbClr val="FF0000"/>
+                </a:gs>
+              </a:gsLst>
+              <a:lin ang="0" scaled="1"/>
+              <a:tileRect/>
+            </a:gradFill>
+          </a:ln>
+        </p:spPr>
+        <p:style>
+          <a:lnRef idx="2">
+            <a:schemeClr val="accent1">
+              <a:shade val="50000"/>
+            </a:schemeClr>
+          </a:lnRef>
+          <a:fillRef idx="1">
+            <a:schemeClr val="accent1"/>
+          </a:fillRef>
+          <a:effectRef idx="0">
+            <a:schemeClr val="accent1"/>
+          </a:effectRef>
+          <a:fontRef idx="minor">
+            <a:schemeClr val="lt1"/>
+          </a:fontRef>
+        </p:style>
+        <p:txBody>
+          <a:bodyPr rtlCol="0" anchor="ctr"/>
+          <a:lstStyle/>
+          <a:p>
+            <a:pPr algn="ctr"/>
+            <a:endParaRPr lang="en-US"/>
+          </a:p>
+        </p:txBody>
+      </p:sp>
+      <p:sp>
+        <p:nvSpPr>
+          <p:cNvPr id="29" name="TextBox 28">
+            <a:extLst>
+              <a:ext uri="{FF2B5EF4-FFF2-40B4-BE49-F238E27FC236}">
+                <a16:creationId xmlns:a16="http://schemas.microsoft.com/office/drawing/2014/main" id="{3F13A6DC-CABC-40E5-9684-EA5EC13F0511}"/>
               </a:ext>
             </a:extLst>
           </p:cNvPr>
@@ -4395,8 +4968,8 @@
         </p:nvSpPr>
         <p:spPr>
           <a:xfrm>
-            <a:off x="9352221" y="599959"/>
-            <a:ext cx="2172362" cy="1477328"/>
+            <a:off x="9042759" y="405937"/>
+            <a:ext cx="2675765" cy="369332"/>
           </a:xfrm>
           <a:prstGeom prst="rect">
             <a:avLst/>
@@ -4410,486 +4983,18 @@
           <a:lstStyle/>
           <a:p>
             <a:r>
-              <a:rPr lang="en-US" dirty="0">
-                <a:solidFill>
-                  <a:schemeClr val="bg1"/>
-                </a:solidFill>
-              </a:rPr>
-              <a:t>World top 3 countries, if dashboard is one of the top 3: total, daily, recovered, death</a:t>
-            </a:r>
-          </a:p>
-        </p:txBody>
-      </p:sp>
-      <p:sp>
-        <p:nvSpPr>
-          <p:cNvPr id="17" name="TextBox 16">
-            <a:extLst>
-              <a:ext uri="{FF2B5EF4-FFF2-40B4-BE49-F238E27FC236}">
-                <a16:creationId xmlns:a16="http://schemas.microsoft.com/office/drawing/2014/main" id="{A3599DCB-9F6A-45DF-A257-72547529FCFE}"/>
-              </a:ext>
-            </a:extLst>
-          </p:cNvPr>
-          <p:cNvSpPr txBox="1"/>
-          <p:nvPr/>
-        </p:nvSpPr>
-        <p:spPr>
-          <a:xfrm>
-            <a:off x="2461702" y="1729462"/>
-            <a:ext cx="1524001" cy="1754326"/>
-          </a:xfrm>
-          <a:prstGeom prst="rect">
-            <a:avLst/>
-          </a:prstGeom>
-          <a:noFill/>
-        </p:spPr>
-        <p:txBody>
-          <a:bodyPr wrap="square" rtlCol="0">
-            <a:spAutoFit/>
-          </a:bodyPr>
-          <a:lstStyle/>
-          <a:p>
-            <a:r>
-              <a:rPr lang="en-US" dirty="0">
-                <a:solidFill>
-                  <a:schemeClr val="bg1"/>
-                </a:solidFill>
-              </a:rPr>
-              <a:t>Total, daily, recovered, death (history and currently) with alerts (exp </a:t>
-            </a:r>
-            <a:r>
-              <a:rPr lang="en-US" dirty="0" err="1">
-                <a:solidFill>
-                  <a:schemeClr val="bg1"/>
-                </a:solidFill>
-              </a:rPr>
-              <a:t>apx</a:t>
-            </a:r>
-            <a:r>
-              <a:rPr lang="en-US" dirty="0">
-                <a:solidFill>
-                  <a:schemeClr val="bg1"/>
-                </a:solidFill>
-              </a:rPr>
-              <a:t>.)</a:t>
-            </a:r>
-          </a:p>
-        </p:txBody>
-      </p:sp>
-      <p:sp>
-        <p:nvSpPr>
-          <p:cNvPr id="18" name="TextBox 17">
-            <a:extLst>
-              <a:ext uri="{FF2B5EF4-FFF2-40B4-BE49-F238E27FC236}">
-                <a16:creationId xmlns:a16="http://schemas.microsoft.com/office/drawing/2014/main" id="{5E0FEA29-15B9-4BA2-B3E2-6D87CF22734D}"/>
-              </a:ext>
-            </a:extLst>
-          </p:cNvPr>
-          <p:cNvSpPr txBox="1"/>
-          <p:nvPr/>
-        </p:nvSpPr>
-        <p:spPr>
-          <a:xfrm>
-            <a:off x="2549236" y="3811081"/>
-            <a:ext cx="3676073" cy="369332"/>
-          </a:xfrm>
-          <a:prstGeom prst="rect">
-            <a:avLst/>
-          </a:prstGeom>
-          <a:noFill/>
-        </p:spPr>
-        <p:txBody>
-          <a:bodyPr wrap="square" rtlCol="0">
-            <a:spAutoFit/>
-          </a:bodyPr>
-          <a:lstStyle/>
-          <a:p>
-            <a:r>
-              <a:rPr lang="en-US" dirty="0">
-                <a:solidFill>
-                  <a:schemeClr val="bg1"/>
-                </a:solidFill>
-              </a:rPr>
-              <a:t>Graphs on daily cases</a:t>
-            </a:r>
-          </a:p>
-        </p:txBody>
-      </p:sp>
-      <p:sp>
-        <p:nvSpPr>
-          <p:cNvPr id="20" name="TextBox 19">
-            <a:extLst>
-              <a:ext uri="{FF2B5EF4-FFF2-40B4-BE49-F238E27FC236}">
-                <a16:creationId xmlns:a16="http://schemas.microsoft.com/office/drawing/2014/main" id="{34502936-5D15-4098-89A4-2EBCD807CB49}"/>
-              </a:ext>
-            </a:extLst>
-          </p:cNvPr>
-          <p:cNvSpPr txBox="1"/>
-          <p:nvPr/>
-        </p:nvSpPr>
-        <p:spPr>
-          <a:xfrm>
-            <a:off x="169125" y="1065899"/>
-            <a:ext cx="1863861" cy="3693319"/>
-          </a:xfrm>
-          <a:prstGeom prst="rect">
-            <a:avLst/>
-          </a:prstGeom>
-          <a:noFill/>
-        </p:spPr>
-        <p:txBody>
-          <a:bodyPr wrap="square" rtlCol="0">
-            <a:spAutoFit/>
-          </a:bodyPr>
-          <a:lstStyle/>
-          <a:p>
-            <a:r>
-              <a:rPr lang="en-US" dirty="0">
-                <a:solidFill>
-                  <a:schemeClr val="bg1"/>
-                </a:solidFill>
-              </a:rPr>
-              <a:t>Full map </a:t>
-            </a:r>
-            <a:r>
               <a:rPr lang="en-US">
                 <a:solidFill>
                   <a:schemeClr val="bg1"/>
                 </a:solidFill>
               </a:rPr>
-              <a:t>of Alerts</a:t>
+              <a:t>Daily motivational quote</a:t>
             </a:r>
             <a:endParaRPr lang="en-US" dirty="0">
               <a:solidFill>
                 <a:schemeClr val="bg1"/>
               </a:solidFill>
             </a:endParaRPr>
-          </a:p>
-          <a:p>
-            <a:endParaRPr lang="en-US" dirty="0">
-              <a:solidFill>
-                <a:schemeClr val="bg1"/>
-              </a:solidFill>
-            </a:endParaRPr>
-          </a:p>
-          <a:p>
-            <a:r>
-              <a:rPr lang="en-US" dirty="0">
-                <a:solidFill>
-                  <a:schemeClr val="bg1"/>
-                </a:solidFill>
-              </a:rPr>
-              <a:t>Drawer for seeing SG policies,</a:t>
-            </a:r>
-          </a:p>
-          <a:p>
-            <a:endParaRPr lang="en-US" dirty="0">
-              <a:solidFill>
-                <a:schemeClr val="bg1"/>
-              </a:solidFill>
-            </a:endParaRPr>
-          </a:p>
-          <a:p>
-            <a:r>
-              <a:rPr lang="en-US" dirty="0">
-                <a:solidFill>
-                  <a:schemeClr val="bg1"/>
-                </a:solidFill>
-              </a:rPr>
-              <a:t>Set daily alert for summarized report</a:t>
-            </a:r>
-          </a:p>
-          <a:p>
-            <a:endParaRPr lang="en-US" dirty="0">
-              <a:solidFill>
-                <a:schemeClr val="bg1"/>
-              </a:solidFill>
-            </a:endParaRPr>
-          </a:p>
-          <a:p>
-            <a:r>
-              <a:rPr lang="en-US" dirty="0">
-                <a:solidFill>
-                  <a:schemeClr val="bg1"/>
-                </a:solidFill>
-              </a:rPr>
-              <a:t>Export report</a:t>
-            </a:r>
-          </a:p>
-          <a:p>
-            <a:endParaRPr lang="en-US" dirty="0">
-              <a:solidFill>
-                <a:schemeClr val="bg1"/>
-              </a:solidFill>
-            </a:endParaRPr>
-          </a:p>
-          <a:p>
-            <a:r>
-              <a:rPr lang="en-US" dirty="0">
-                <a:solidFill>
-                  <a:schemeClr val="bg1"/>
-                </a:solidFill>
-              </a:rPr>
-              <a:t>More info on this project</a:t>
-            </a:r>
-          </a:p>
-        </p:txBody>
-      </p:sp>
-      <p:sp>
-        <p:nvSpPr>
-          <p:cNvPr id="21" name="TextBox 20">
-            <a:extLst>
-              <a:ext uri="{FF2B5EF4-FFF2-40B4-BE49-F238E27FC236}">
-                <a16:creationId xmlns:a16="http://schemas.microsoft.com/office/drawing/2014/main" id="{3E199C98-1596-4372-BF20-86A8BC9BE3D8}"/>
-              </a:ext>
-            </a:extLst>
-          </p:cNvPr>
-          <p:cNvSpPr txBox="1"/>
-          <p:nvPr/>
-        </p:nvSpPr>
-        <p:spPr>
-          <a:xfrm>
-            <a:off x="3941941" y="1729462"/>
-            <a:ext cx="1524001" cy="1754326"/>
-          </a:xfrm>
-          <a:prstGeom prst="rect">
-            <a:avLst/>
-          </a:prstGeom>
-          <a:noFill/>
-        </p:spPr>
-        <p:txBody>
-          <a:bodyPr wrap="square" rtlCol="0">
-            <a:spAutoFit/>
-          </a:bodyPr>
-          <a:lstStyle/>
-          <a:p>
-            <a:r>
-              <a:rPr lang="en-US" dirty="0">
-                <a:solidFill>
-                  <a:schemeClr val="bg1"/>
-                </a:solidFill>
-              </a:rPr>
-              <a:t>Total, daily, recovered, death (history and currently) with alerts (exp </a:t>
-            </a:r>
-            <a:r>
-              <a:rPr lang="en-US" dirty="0" err="1">
-                <a:solidFill>
-                  <a:schemeClr val="bg1"/>
-                </a:solidFill>
-              </a:rPr>
-              <a:t>apx</a:t>
-            </a:r>
-            <a:r>
-              <a:rPr lang="en-US" dirty="0">
-                <a:solidFill>
-                  <a:schemeClr val="bg1"/>
-                </a:solidFill>
-              </a:rPr>
-              <a:t>.)</a:t>
-            </a:r>
-          </a:p>
-        </p:txBody>
-      </p:sp>
-      <p:sp>
-        <p:nvSpPr>
-          <p:cNvPr id="22" name="TextBox 21">
-            <a:extLst>
-              <a:ext uri="{FF2B5EF4-FFF2-40B4-BE49-F238E27FC236}">
-                <a16:creationId xmlns:a16="http://schemas.microsoft.com/office/drawing/2014/main" id="{5B55798C-6A42-4E8D-BB15-C6C194E202B1}"/>
-              </a:ext>
-            </a:extLst>
-          </p:cNvPr>
-          <p:cNvSpPr txBox="1"/>
-          <p:nvPr/>
-        </p:nvSpPr>
-        <p:spPr>
-          <a:xfrm>
-            <a:off x="5428998" y="1729462"/>
-            <a:ext cx="1524001" cy="1754326"/>
-          </a:xfrm>
-          <a:prstGeom prst="rect">
-            <a:avLst/>
-          </a:prstGeom>
-          <a:noFill/>
-        </p:spPr>
-        <p:txBody>
-          <a:bodyPr wrap="square" rtlCol="0">
-            <a:spAutoFit/>
-          </a:bodyPr>
-          <a:lstStyle/>
-          <a:p>
-            <a:r>
-              <a:rPr lang="en-US" dirty="0">
-                <a:solidFill>
-                  <a:schemeClr val="bg1"/>
-                </a:solidFill>
-              </a:rPr>
-              <a:t>Total, daily, recovered, death (history and currently) with alerts (exp </a:t>
-            </a:r>
-            <a:r>
-              <a:rPr lang="en-US" dirty="0" err="1">
-                <a:solidFill>
-                  <a:schemeClr val="bg1"/>
-                </a:solidFill>
-              </a:rPr>
-              <a:t>apx</a:t>
-            </a:r>
-            <a:r>
-              <a:rPr lang="en-US" dirty="0">
-                <a:solidFill>
-                  <a:schemeClr val="bg1"/>
-                </a:solidFill>
-              </a:rPr>
-              <a:t>.)</a:t>
-            </a:r>
-          </a:p>
-        </p:txBody>
-      </p:sp>
-      <p:sp>
-        <p:nvSpPr>
-          <p:cNvPr id="23" name="TextBox 22">
-            <a:extLst>
-              <a:ext uri="{FF2B5EF4-FFF2-40B4-BE49-F238E27FC236}">
-                <a16:creationId xmlns:a16="http://schemas.microsoft.com/office/drawing/2014/main" id="{23D3FF5A-57E3-4269-9997-47AD6B5367BC}"/>
-              </a:ext>
-            </a:extLst>
-          </p:cNvPr>
-          <p:cNvSpPr txBox="1"/>
-          <p:nvPr/>
-        </p:nvSpPr>
-        <p:spPr>
-          <a:xfrm>
-            <a:off x="6894965" y="1729462"/>
-            <a:ext cx="1524001" cy="1754326"/>
-          </a:xfrm>
-          <a:prstGeom prst="rect">
-            <a:avLst/>
-          </a:prstGeom>
-          <a:noFill/>
-        </p:spPr>
-        <p:txBody>
-          <a:bodyPr wrap="square" rtlCol="0">
-            <a:spAutoFit/>
-          </a:bodyPr>
-          <a:lstStyle/>
-          <a:p>
-            <a:r>
-              <a:rPr lang="en-US" dirty="0">
-                <a:solidFill>
-                  <a:schemeClr val="bg1"/>
-                </a:solidFill>
-              </a:rPr>
-              <a:t>Total, daily, recovered, death (history and currently) with alerts (exp </a:t>
-            </a:r>
-            <a:r>
-              <a:rPr lang="en-US" dirty="0" err="1">
-                <a:solidFill>
-                  <a:schemeClr val="bg1"/>
-                </a:solidFill>
-              </a:rPr>
-              <a:t>apx</a:t>
-            </a:r>
-            <a:r>
-              <a:rPr lang="en-US" dirty="0">
-                <a:solidFill>
-                  <a:schemeClr val="bg1"/>
-                </a:solidFill>
-              </a:rPr>
-              <a:t>.)</a:t>
-            </a:r>
-          </a:p>
-        </p:txBody>
-      </p:sp>
-      <p:sp>
-        <p:nvSpPr>
-          <p:cNvPr id="24" name="TextBox 23">
-            <a:extLst>
-              <a:ext uri="{FF2B5EF4-FFF2-40B4-BE49-F238E27FC236}">
-                <a16:creationId xmlns:a16="http://schemas.microsoft.com/office/drawing/2014/main" id="{FBFAB8D9-8CCE-4AE1-8A10-8FD2C65E9D7E}"/>
-              </a:ext>
-            </a:extLst>
-          </p:cNvPr>
-          <p:cNvSpPr txBox="1"/>
-          <p:nvPr/>
-        </p:nvSpPr>
-        <p:spPr>
-          <a:xfrm>
-            <a:off x="2632824" y="4842852"/>
-            <a:ext cx="1754448" cy="1477328"/>
-          </a:xfrm>
-          <a:prstGeom prst="rect">
-            <a:avLst/>
-          </a:prstGeom>
-          <a:noFill/>
-        </p:spPr>
-        <p:txBody>
-          <a:bodyPr wrap="square" rtlCol="0">
-            <a:spAutoFit/>
-          </a:bodyPr>
-          <a:lstStyle/>
-          <a:p>
-            <a:r>
-              <a:rPr lang="en-US" dirty="0">
-                <a:solidFill>
-                  <a:schemeClr val="bg1"/>
-                </a:solidFill>
-              </a:rPr>
-              <a:t>Graphs on vaccination % - circular, </a:t>
-            </a:r>
-            <a:r>
-              <a:rPr lang="en-US" dirty="0" err="1">
-                <a:solidFill>
-                  <a:schemeClr val="bg1"/>
-                </a:solidFill>
-              </a:rPr>
-              <a:t>ontap</a:t>
-            </a:r>
-            <a:r>
-              <a:rPr lang="en-US" dirty="0">
-                <a:solidFill>
-                  <a:schemeClr val="bg1"/>
-                </a:solidFill>
-              </a:rPr>
-              <a:t> is refreshed with animation</a:t>
-            </a:r>
-          </a:p>
-        </p:txBody>
-      </p:sp>
-      <p:sp>
-        <p:nvSpPr>
-          <p:cNvPr id="25" name="TextBox 24">
-            <a:extLst>
-              <a:ext uri="{FF2B5EF4-FFF2-40B4-BE49-F238E27FC236}">
-                <a16:creationId xmlns:a16="http://schemas.microsoft.com/office/drawing/2014/main" id="{2DCBE425-43F7-4788-A64D-19C4F77B8CC0}"/>
-              </a:ext>
-            </a:extLst>
-          </p:cNvPr>
-          <p:cNvSpPr txBox="1"/>
-          <p:nvPr/>
-        </p:nvSpPr>
-        <p:spPr>
-          <a:xfrm>
-            <a:off x="5759244" y="4904196"/>
-            <a:ext cx="1754448" cy="646331"/>
-          </a:xfrm>
-          <a:prstGeom prst="rect">
-            <a:avLst/>
-          </a:prstGeom>
-          <a:noFill/>
-        </p:spPr>
-        <p:txBody>
-          <a:bodyPr wrap="square" rtlCol="0">
-            <a:spAutoFit/>
-          </a:bodyPr>
-          <a:lstStyle/>
-          <a:p>
-            <a:r>
-              <a:rPr lang="en-US" dirty="0">
-                <a:solidFill>
-                  <a:schemeClr val="bg1"/>
-                </a:solidFill>
-              </a:rPr>
-              <a:t>Current SG phase</a:t>
-            </a:r>
           </a:p>
         </p:txBody>
       </p:sp>
